--- a/1. STEP/5일차/5회차_문제.pptx
+++ b/1. STEP/5일차/5회차_문제.pptx
@@ -5,11 +5,12 @@
     <p:sldMasterId id="2147483660" r:id="rId1"/>
   </p:sldMasterIdLst>
   <p:notesMasterIdLst>
-    <p:notesMasterId r:id="rId4"/>
+    <p:notesMasterId r:id="rId5"/>
   </p:notesMasterIdLst>
   <p:sldIdLst>
     <p:sldId id="258" r:id="rId2"/>
-    <p:sldId id="257" r:id="rId3"/>
+    <p:sldId id="259" r:id="rId3"/>
+    <p:sldId id="257" r:id="rId4"/>
   </p:sldIdLst>
   <p:sldSz cx="9144000" cy="6858000" type="screen4x3"/>
   <p:notesSz cx="6858000" cy="9144000"/>
@@ -198,7 +199,7 @@
           <a:p>
             <a:fld id="{E5502626-CB0B-43C3-AFF2-8A87A50F75EE}" type="datetimeFigureOut">
               <a:rPr lang="ko-KR" altLang="en-US" smtClean="0"/>
-              <a:t>2024-02-19</a:t>
+              <a:t>2024-02-20</a:t>
             </a:fld>
             <a:endParaRPr lang="ko-KR" altLang="en-US"/>
           </a:p>
@@ -596,7 +597,7 @@
           <a:p>
             <a:fld id="{7DD8208E-8102-46A5-B30B-E4A25C342D31}" type="datetimeFigureOut">
               <a:rPr lang="ko-KR" altLang="en-US" smtClean="0"/>
-              <a:t>2024-02-19</a:t>
+              <a:t>2024-02-20</a:t>
             </a:fld>
             <a:endParaRPr lang="ko-KR" altLang="en-US"/>
           </a:p>
@@ -766,7 +767,7 @@
           <a:p>
             <a:fld id="{7DD8208E-8102-46A5-B30B-E4A25C342D31}" type="datetimeFigureOut">
               <a:rPr lang="ko-KR" altLang="en-US" smtClean="0"/>
-              <a:t>2024-02-19</a:t>
+              <a:t>2024-02-20</a:t>
             </a:fld>
             <a:endParaRPr lang="ko-KR" altLang="en-US"/>
           </a:p>
@@ -946,7 +947,7 @@
           <a:p>
             <a:fld id="{7DD8208E-8102-46A5-B30B-E4A25C342D31}" type="datetimeFigureOut">
               <a:rPr lang="ko-KR" altLang="en-US" smtClean="0"/>
-              <a:t>2024-02-19</a:t>
+              <a:t>2024-02-20</a:t>
             </a:fld>
             <a:endParaRPr lang="ko-KR" altLang="en-US"/>
           </a:p>
@@ -1116,7 +1117,7 @@
           <a:p>
             <a:fld id="{7DD8208E-8102-46A5-B30B-E4A25C342D31}" type="datetimeFigureOut">
               <a:rPr lang="ko-KR" altLang="en-US" smtClean="0"/>
-              <a:t>2024-02-19</a:t>
+              <a:t>2024-02-20</a:t>
             </a:fld>
             <a:endParaRPr lang="ko-KR" altLang="en-US"/>
           </a:p>
@@ -1360,7 +1361,7 @@
           <a:p>
             <a:fld id="{7DD8208E-8102-46A5-B30B-E4A25C342D31}" type="datetimeFigureOut">
               <a:rPr lang="ko-KR" altLang="en-US" smtClean="0"/>
-              <a:t>2024-02-19</a:t>
+              <a:t>2024-02-20</a:t>
             </a:fld>
             <a:endParaRPr lang="ko-KR" altLang="en-US"/>
           </a:p>
@@ -1592,7 +1593,7 @@
           <a:p>
             <a:fld id="{7DD8208E-8102-46A5-B30B-E4A25C342D31}" type="datetimeFigureOut">
               <a:rPr lang="ko-KR" altLang="en-US" smtClean="0"/>
-              <a:t>2024-02-19</a:t>
+              <a:t>2024-02-20</a:t>
             </a:fld>
             <a:endParaRPr lang="ko-KR" altLang="en-US"/>
           </a:p>
@@ -1959,7 +1960,7 @@
           <a:p>
             <a:fld id="{7DD8208E-8102-46A5-B30B-E4A25C342D31}" type="datetimeFigureOut">
               <a:rPr lang="ko-KR" altLang="en-US" smtClean="0"/>
-              <a:t>2024-02-19</a:t>
+              <a:t>2024-02-20</a:t>
             </a:fld>
             <a:endParaRPr lang="ko-KR" altLang="en-US"/>
           </a:p>
@@ -2077,7 +2078,7 @@
           <a:p>
             <a:fld id="{7DD8208E-8102-46A5-B30B-E4A25C342D31}" type="datetimeFigureOut">
               <a:rPr lang="ko-KR" altLang="en-US" smtClean="0"/>
-              <a:t>2024-02-19</a:t>
+              <a:t>2024-02-20</a:t>
             </a:fld>
             <a:endParaRPr lang="ko-KR" altLang="en-US"/>
           </a:p>
@@ -2172,7 +2173,7 @@
           <a:p>
             <a:fld id="{7DD8208E-8102-46A5-B30B-E4A25C342D31}" type="datetimeFigureOut">
               <a:rPr lang="ko-KR" altLang="en-US" smtClean="0"/>
-              <a:t>2024-02-19</a:t>
+              <a:t>2024-02-20</a:t>
             </a:fld>
             <a:endParaRPr lang="ko-KR" altLang="en-US"/>
           </a:p>
@@ -2449,7 +2450,7 @@
           <a:p>
             <a:fld id="{7DD8208E-8102-46A5-B30B-E4A25C342D31}" type="datetimeFigureOut">
               <a:rPr lang="ko-KR" altLang="en-US" smtClean="0"/>
-              <a:t>2024-02-19</a:t>
+              <a:t>2024-02-20</a:t>
             </a:fld>
             <a:endParaRPr lang="ko-KR" altLang="en-US"/>
           </a:p>
@@ -2706,7 +2707,7 @@
           <a:p>
             <a:fld id="{7DD8208E-8102-46A5-B30B-E4A25C342D31}" type="datetimeFigureOut">
               <a:rPr lang="ko-KR" altLang="en-US" smtClean="0"/>
-              <a:t>2024-02-19</a:t>
+              <a:t>2024-02-20</a:t>
             </a:fld>
             <a:endParaRPr lang="ko-KR" altLang="en-US"/>
           </a:p>
@@ -2919,7 +2920,7 @@
           <a:p>
             <a:fld id="{7DD8208E-8102-46A5-B30B-E4A25C342D31}" type="datetimeFigureOut">
               <a:rPr lang="ko-KR" altLang="en-US" smtClean="0"/>
-              <a:t>2024-02-19</a:t>
+              <a:t>2024-02-20</a:t>
             </a:fld>
             <a:endParaRPr lang="ko-KR" altLang="en-US"/>
           </a:p>
@@ -4135,6 +4136,1160 @@
 </file>
 
 <file path=ppt/slides/slide2.xml><?xml version="1.0" encoding="utf-8"?>
+<p:sld xmlns:a="http://schemas.openxmlformats.org/drawingml/2006/main" xmlns:r="http://schemas.openxmlformats.org/officeDocument/2006/relationships" xmlns:p="http://schemas.openxmlformats.org/presentationml/2006/main">
+  <p:cSld>
+    <p:spTree>
+      <p:nvGrpSpPr>
+        <p:cNvPr id="1" name="">
+          <a:extLst>
+            <a:ext uri="{FF2B5EF4-FFF2-40B4-BE49-F238E27FC236}">
+              <a16:creationId xmlns:a16="http://schemas.microsoft.com/office/drawing/2014/main" id="{2796F039-4550-25CB-9CF8-741C3CF8AD0D}"/>
+            </a:ext>
+          </a:extLst>
+        </p:cNvPr>
+        <p:cNvGrpSpPr/>
+        <p:nvPr/>
+      </p:nvGrpSpPr>
+      <p:grpSpPr>
+        <a:xfrm>
+          <a:off x="0" y="0"/>
+          <a:ext cx="0" cy="0"/>
+          <a:chOff x="0" y="0"/>
+          <a:chExt cx="0" cy="0"/>
+        </a:xfrm>
+      </p:grpSpPr>
+      <p:sp>
+        <p:nvSpPr>
+          <p:cNvPr id="5" name="직사각형 4">
+            <a:extLst>
+              <a:ext uri="{FF2B5EF4-FFF2-40B4-BE49-F238E27FC236}">
+                <a16:creationId xmlns:a16="http://schemas.microsoft.com/office/drawing/2014/main" id="{8EB47180-A0BD-3572-A93E-73321120023E}"/>
+              </a:ext>
+            </a:extLst>
+          </p:cNvPr>
+          <p:cNvSpPr/>
+          <p:nvPr/>
+        </p:nvSpPr>
+        <p:spPr>
+          <a:xfrm>
+            <a:off x="1904533" y="328486"/>
+            <a:ext cx="5334934" cy="3027273"/>
+          </a:xfrm>
+          <a:prstGeom prst="rect">
+            <a:avLst/>
+          </a:prstGeom>
+          <a:solidFill>
+            <a:schemeClr val="bg1">
+              <a:lumMod val="65000"/>
+            </a:schemeClr>
+          </a:solidFill>
+          <a:ln>
+            <a:noFill/>
+          </a:ln>
+        </p:spPr>
+        <p:style>
+          <a:lnRef idx="2">
+            <a:schemeClr val="accent1">
+              <a:shade val="15000"/>
+            </a:schemeClr>
+          </a:lnRef>
+          <a:fillRef idx="1">
+            <a:schemeClr val="accent1"/>
+          </a:fillRef>
+          <a:effectRef idx="0">
+            <a:schemeClr val="accent1"/>
+          </a:effectRef>
+          <a:fontRef idx="minor">
+            <a:schemeClr val="lt1"/>
+          </a:fontRef>
+        </p:style>
+        <p:txBody>
+          <a:bodyPr rtlCol="0" anchor="ctr"/>
+          <a:lstStyle/>
+          <a:p>
+            <a:pPr algn="ctr"/>
+            <a:endParaRPr lang="ko-KR" altLang="en-US" b="1" dirty="0"/>
+          </a:p>
+        </p:txBody>
+      </p:sp>
+      <p:cxnSp>
+        <p:nvCxnSpPr>
+          <p:cNvPr id="18" name="직선 화살표 연결선 17">
+            <a:extLst>
+              <a:ext uri="{FF2B5EF4-FFF2-40B4-BE49-F238E27FC236}">
+                <a16:creationId xmlns:a16="http://schemas.microsoft.com/office/drawing/2014/main" id="{E793ABFE-7EF0-816D-B48E-360629C05978}"/>
+              </a:ext>
+            </a:extLst>
+          </p:cNvPr>
+          <p:cNvCxnSpPr>
+            <a:cxnSpLocks/>
+          </p:cNvCxnSpPr>
+          <p:nvPr/>
+        </p:nvCxnSpPr>
+        <p:spPr>
+          <a:xfrm>
+            <a:off x="1904533" y="328483"/>
+            <a:ext cx="0" cy="3027273"/>
+          </a:xfrm>
+          <a:prstGeom prst="straightConnector1">
+            <a:avLst/>
+          </a:prstGeom>
+          <a:ln w="28575">
+            <a:solidFill>
+              <a:schemeClr val="tx1"/>
+            </a:solidFill>
+            <a:headEnd type="triangle"/>
+            <a:tailEnd type="triangle"/>
+          </a:ln>
+        </p:spPr>
+        <p:style>
+          <a:lnRef idx="1">
+            <a:schemeClr val="accent1"/>
+          </a:lnRef>
+          <a:fillRef idx="0">
+            <a:schemeClr val="accent1"/>
+          </a:fillRef>
+          <a:effectRef idx="0">
+            <a:schemeClr val="accent1"/>
+          </a:effectRef>
+          <a:fontRef idx="minor">
+            <a:schemeClr val="tx1"/>
+          </a:fontRef>
+        </p:style>
+      </p:cxnSp>
+      <p:cxnSp>
+        <p:nvCxnSpPr>
+          <p:cNvPr id="29" name="직선 화살표 연결선 28">
+            <a:extLst>
+              <a:ext uri="{FF2B5EF4-FFF2-40B4-BE49-F238E27FC236}">
+                <a16:creationId xmlns:a16="http://schemas.microsoft.com/office/drawing/2014/main" id="{EE10993F-F6D7-5534-54CB-431642D91A86}"/>
+              </a:ext>
+            </a:extLst>
+          </p:cNvPr>
+          <p:cNvCxnSpPr>
+            <a:cxnSpLocks/>
+          </p:cNvCxnSpPr>
+          <p:nvPr/>
+        </p:nvCxnSpPr>
+        <p:spPr>
+          <a:xfrm flipH="1">
+            <a:off x="1904533" y="3417480"/>
+            <a:ext cx="5334934" cy="0"/>
+          </a:xfrm>
+          <a:prstGeom prst="straightConnector1">
+            <a:avLst/>
+          </a:prstGeom>
+          <a:ln w="28575">
+            <a:solidFill>
+              <a:schemeClr val="tx1"/>
+            </a:solidFill>
+            <a:headEnd type="triangle"/>
+            <a:tailEnd type="triangle"/>
+          </a:ln>
+        </p:spPr>
+        <p:style>
+          <a:lnRef idx="1">
+            <a:schemeClr val="accent1"/>
+          </a:lnRef>
+          <a:fillRef idx="0">
+            <a:schemeClr val="accent1"/>
+          </a:fillRef>
+          <a:effectRef idx="0">
+            <a:schemeClr val="accent1"/>
+          </a:effectRef>
+          <a:fontRef idx="minor">
+            <a:schemeClr val="tx1"/>
+          </a:fontRef>
+        </p:style>
+      </p:cxnSp>
+      <p:sp>
+        <p:nvSpPr>
+          <p:cNvPr id="37" name="TextBox 36">
+            <a:extLst>
+              <a:ext uri="{FF2B5EF4-FFF2-40B4-BE49-F238E27FC236}">
+                <a16:creationId xmlns:a16="http://schemas.microsoft.com/office/drawing/2014/main" id="{2685A410-0B6C-7EFB-F173-C1D4D62696FB}"/>
+              </a:ext>
+            </a:extLst>
+          </p:cNvPr>
+          <p:cNvSpPr txBox="1"/>
+          <p:nvPr/>
+        </p:nvSpPr>
+        <p:spPr>
+          <a:xfrm>
+            <a:off x="1152211" y="1608658"/>
+            <a:ext cx="752322" cy="646331"/>
+          </a:xfrm>
+          <a:prstGeom prst="rect">
+            <a:avLst/>
+          </a:prstGeom>
+          <a:noFill/>
+        </p:spPr>
+        <p:txBody>
+          <a:bodyPr wrap="none" rtlCol="0">
+            <a:spAutoFit/>
+          </a:bodyPr>
+          <a:lstStyle/>
+          <a:p>
+            <a:r>
+              <a:rPr lang="en-US" altLang="ko-KR" dirty="0"/>
+              <a:t>450px</a:t>
+            </a:r>
+          </a:p>
+          <a:p>
+            <a:endParaRPr lang="ko-KR" altLang="en-US" dirty="0"/>
+          </a:p>
+        </p:txBody>
+      </p:sp>
+      <p:cxnSp>
+        <p:nvCxnSpPr>
+          <p:cNvPr id="39" name="직선 화살표 연결선 38">
+            <a:extLst>
+              <a:ext uri="{FF2B5EF4-FFF2-40B4-BE49-F238E27FC236}">
+                <a16:creationId xmlns:a16="http://schemas.microsoft.com/office/drawing/2014/main" id="{AAC6DAFD-9E6B-50C6-A1CB-53F5D92A1955}"/>
+              </a:ext>
+            </a:extLst>
+          </p:cNvPr>
+          <p:cNvCxnSpPr>
+            <a:cxnSpLocks/>
+          </p:cNvCxnSpPr>
+          <p:nvPr/>
+        </p:nvCxnSpPr>
+        <p:spPr>
+          <a:xfrm>
+            <a:off x="0" y="2744363"/>
+            <a:ext cx="1904533" cy="0"/>
+          </a:xfrm>
+          <a:prstGeom prst="straightConnector1">
+            <a:avLst/>
+          </a:prstGeom>
+          <a:ln w="28575">
+            <a:solidFill>
+              <a:srgbClr val="FF0000"/>
+            </a:solidFill>
+            <a:headEnd type="triangle"/>
+            <a:tailEnd type="triangle"/>
+          </a:ln>
+        </p:spPr>
+        <p:style>
+          <a:lnRef idx="1">
+            <a:schemeClr val="accent1"/>
+          </a:lnRef>
+          <a:fillRef idx="0">
+            <a:schemeClr val="accent1"/>
+          </a:fillRef>
+          <a:effectRef idx="0">
+            <a:schemeClr val="accent1"/>
+          </a:effectRef>
+          <a:fontRef idx="minor">
+            <a:schemeClr val="tx1"/>
+          </a:fontRef>
+        </p:style>
+      </p:cxnSp>
+      <p:sp>
+        <p:nvSpPr>
+          <p:cNvPr id="50" name="TextBox 49">
+            <a:extLst>
+              <a:ext uri="{FF2B5EF4-FFF2-40B4-BE49-F238E27FC236}">
+                <a16:creationId xmlns:a16="http://schemas.microsoft.com/office/drawing/2014/main" id="{167DA125-423E-B2A9-FEF1-5E2927887C55}"/>
+              </a:ext>
+            </a:extLst>
+          </p:cNvPr>
+          <p:cNvSpPr txBox="1"/>
+          <p:nvPr/>
+        </p:nvSpPr>
+        <p:spPr>
+          <a:xfrm>
+            <a:off x="645451" y="2400910"/>
+            <a:ext cx="613630" cy="369332"/>
+          </a:xfrm>
+          <a:prstGeom prst="rect">
+            <a:avLst/>
+          </a:prstGeom>
+          <a:noFill/>
+        </p:spPr>
+        <p:txBody>
+          <a:bodyPr wrap="none" rtlCol="0">
+            <a:spAutoFit/>
+          </a:bodyPr>
+          <a:lstStyle/>
+          <a:p>
+            <a:r>
+              <a:rPr lang="en-US" altLang="ko-KR" dirty="0"/>
+              <a:t>auto</a:t>
+            </a:r>
+            <a:endParaRPr lang="ko-KR" altLang="en-US" dirty="0"/>
+          </a:p>
+        </p:txBody>
+      </p:sp>
+      <p:cxnSp>
+        <p:nvCxnSpPr>
+          <p:cNvPr id="53" name="직선 화살표 연결선 52">
+            <a:extLst>
+              <a:ext uri="{FF2B5EF4-FFF2-40B4-BE49-F238E27FC236}">
+                <a16:creationId xmlns:a16="http://schemas.microsoft.com/office/drawing/2014/main" id="{820EA709-3099-A713-CBE0-9CE9C0A492E0}"/>
+              </a:ext>
+            </a:extLst>
+          </p:cNvPr>
+          <p:cNvCxnSpPr>
+            <a:cxnSpLocks/>
+          </p:cNvCxnSpPr>
+          <p:nvPr/>
+        </p:nvCxnSpPr>
+        <p:spPr>
+          <a:xfrm>
+            <a:off x="4572000" y="0"/>
+            <a:ext cx="0" cy="328486"/>
+          </a:xfrm>
+          <a:prstGeom prst="straightConnector1">
+            <a:avLst/>
+          </a:prstGeom>
+          <a:ln w="28575">
+            <a:solidFill>
+              <a:srgbClr val="FF0000"/>
+            </a:solidFill>
+            <a:headEnd type="triangle"/>
+            <a:tailEnd type="triangle"/>
+          </a:ln>
+        </p:spPr>
+        <p:style>
+          <a:lnRef idx="1">
+            <a:schemeClr val="accent1"/>
+          </a:lnRef>
+          <a:fillRef idx="0">
+            <a:schemeClr val="accent1"/>
+          </a:fillRef>
+          <a:effectRef idx="0">
+            <a:schemeClr val="accent1"/>
+          </a:effectRef>
+          <a:fontRef idx="minor">
+            <a:schemeClr val="tx1"/>
+          </a:fontRef>
+        </p:style>
+      </p:cxnSp>
+      <p:sp>
+        <p:nvSpPr>
+          <p:cNvPr id="61" name="TextBox 60">
+            <a:extLst>
+              <a:ext uri="{FF2B5EF4-FFF2-40B4-BE49-F238E27FC236}">
+                <a16:creationId xmlns:a16="http://schemas.microsoft.com/office/drawing/2014/main" id="{A2E09500-1A34-1D0B-286A-FEA254ED931D}"/>
+              </a:ext>
+            </a:extLst>
+          </p:cNvPr>
+          <p:cNvSpPr txBox="1"/>
+          <p:nvPr/>
+        </p:nvSpPr>
+        <p:spPr>
+          <a:xfrm>
+            <a:off x="4574991" y="-16472"/>
+            <a:ext cx="635302" cy="646331"/>
+          </a:xfrm>
+          <a:prstGeom prst="rect">
+            <a:avLst/>
+          </a:prstGeom>
+          <a:noFill/>
+        </p:spPr>
+        <p:txBody>
+          <a:bodyPr wrap="none" rtlCol="0">
+            <a:spAutoFit/>
+          </a:bodyPr>
+          <a:lstStyle/>
+          <a:p>
+            <a:r>
+              <a:rPr lang="en-US" altLang="ko-KR" dirty="0"/>
+              <a:t>20px</a:t>
+            </a:r>
+          </a:p>
+          <a:p>
+            <a:endParaRPr lang="ko-KR" altLang="en-US" dirty="0"/>
+          </a:p>
+        </p:txBody>
+      </p:sp>
+      <p:sp>
+        <p:nvSpPr>
+          <p:cNvPr id="106" name="직사각형 105">
+            <a:extLst>
+              <a:ext uri="{FF2B5EF4-FFF2-40B4-BE49-F238E27FC236}">
+                <a16:creationId xmlns:a16="http://schemas.microsoft.com/office/drawing/2014/main" id="{9A295662-ACA1-9893-EEAA-F045F435DA1F}"/>
+              </a:ext>
+            </a:extLst>
+          </p:cNvPr>
+          <p:cNvSpPr/>
+          <p:nvPr/>
+        </p:nvSpPr>
+        <p:spPr>
+          <a:xfrm>
+            <a:off x="2273069" y="700669"/>
+            <a:ext cx="4597867" cy="2655087"/>
+          </a:xfrm>
+          <a:prstGeom prst="rect">
+            <a:avLst/>
+          </a:prstGeom>
+          <a:solidFill>
+            <a:srgbClr val="ADD7B2"/>
+          </a:solidFill>
+          <a:ln>
+            <a:noFill/>
+          </a:ln>
+        </p:spPr>
+        <p:style>
+          <a:lnRef idx="2">
+            <a:schemeClr val="accent1">
+              <a:shade val="15000"/>
+            </a:schemeClr>
+          </a:lnRef>
+          <a:fillRef idx="1">
+            <a:schemeClr val="accent1"/>
+          </a:fillRef>
+          <a:effectRef idx="0">
+            <a:schemeClr val="accent1"/>
+          </a:effectRef>
+          <a:fontRef idx="minor">
+            <a:schemeClr val="lt1"/>
+          </a:fontRef>
+        </p:style>
+        <p:txBody>
+          <a:bodyPr rtlCol="0" anchor="ctr"/>
+          <a:lstStyle/>
+          <a:p>
+            <a:pPr algn="ctr"/>
+            <a:endParaRPr lang="ko-KR" altLang="en-US" b="1"/>
+          </a:p>
+        </p:txBody>
+      </p:sp>
+      <p:cxnSp>
+        <p:nvCxnSpPr>
+          <p:cNvPr id="2" name="직선 화살표 연결선 1">
+            <a:extLst>
+              <a:ext uri="{FF2B5EF4-FFF2-40B4-BE49-F238E27FC236}">
+                <a16:creationId xmlns:a16="http://schemas.microsoft.com/office/drawing/2014/main" id="{AE843667-9A01-F7E7-23B3-D1178CDDDE24}"/>
+              </a:ext>
+            </a:extLst>
+          </p:cNvPr>
+          <p:cNvCxnSpPr>
+            <a:cxnSpLocks/>
+          </p:cNvCxnSpPr>
+          <p:nvPr/>
+        </p:nvCxnSpPr>
+        <p:spPr>
+          <a:xfrm>
+            <a:off x="7239467" y="2826151"/>
+            <a:ext cx="1904533" cy="0"/>
+          </a:xfrm>
+          <a:prstGeom prst="straightConnector1">
+            <a:avLst/>
+          </a:prstGeom>
+          <a:ln w="28575">
+            <a:solidFill>
+              <a:srgbClr val="FF0000"/>
+            </a:solidFill>
+            <a:headEnd type="triangle"/>
+            <a:tailEnd type="triangle"/>
+          </a:ln>
+        </p:spPr>
+        <p:style>
+          <a:lnRef idx="1">
+            <a:schemeClr val="accent1"/>
+          </a:lnRef>
+          <a:fillRef idx="0">
+            <a:schemeClr val="accent1"/>
+          </a:fillRef>
+          <a:effectRef idx="0">
+            <a:schemeClr val="accent1"/>
+          </a:effectRef>
+          <a:fontRef idx="minor">
+            <a:schemeClr val="tx1"/>
+          </a:fontRef>
+        </p:style>
+      </p:cxnSp>
+      <p:sp>
+        <p:nvSpPr>
+          <p:cNvPr id="3" name="TextBox 2">
+            <a:extLst>
+              <a:ext uri="{FF2B5EF4-FFF2-40B4-BE49-F238E27FC236}">
+                <a16:creationId xmlns:a16="http://schemas.microsoft.com/office/drawing/2014/main" id="{EBCB26D2-B92A-3C8C-7C90-C5F9310C41B3}"/>
+              </a:ext>
+            </a:extLst>
+          </p:cNvPr>
+          <p:cNvSpPr txBox="1"/>
+          <p:nvPr/>
+        </p:nvSpPr>
+        <p:spPr>
+          <a:xfrm>
+            <a:off x="7884918" y="2456819"/>
+            <a:ext cx="613630" cy="369332"/>
+          </a:xfrm>
+          <a:prstGeom prst="rect">
+            <a:avLst/>
+          </a:prstGeom>
+          <a:noFill/>
+        </p:spPr>
+        <p:txBody>
+          <a:bodyPr wrap="none" rtlCol="0">
+            <a:spAutoFit/>
+          </a:bodyPr>
+          <a:lstStyle/>
+          <a:p>
+            <a:r>
+              <a:rPr lang="en-US" altLang="ko-KR" dirty="0"/>
+              <a:t>auto</a:t>
+            </a:r>
+            <a:endParaRPr lang="ko-KR" altLang="en-US" dirty="0"/>
+          </a:p>
+        </p:txBody>
+      </p:sp>
+      <p:cxnSp>
+        <p:nvCxnSpPr>
+          <p:cNvPr id="8" name="직선 화살표 연결선 7">
+            <a:extLst>
+              <a:ext uri="{FF2B5EF4-FFF2-40B4-BE49-F238E27FC236}">
+                <a16:creationId xmlns:a16="http://schemas.microsoft.com/office/drawing/2014/main" id="{836E89D1-824C-C2F3-8C3B-CB581BFB5D0D}"/>
+              </a:ext>
+            </a:extLst>
+          </p:cNvPr>
+          <p:cNvCxnSpPr>
+            <a:cxnSpLocks/>
+          </p:cNvCxnSpPr>
+          <p:nvPr/>
+        </p:nvCxnSpPr>
+        <p:spPr>
+          <a:xfrm>
+            <a:off x="1904533" y="2032986"/>
+            <a:ext cx="368531" cy="0"/>
+          </a:xfrm>
+          <a:prstGeom prst="straightConnector1">
+            <a:avLst/>
+          </a:prstGeom>
+          <a:ln w="28575">
+            <a:solidFill>
+              <a:schemeClr val="accent1"/>
+            </a:solidFill>
+            <a:headEnd type="triangle"/>
+            <a:tailEnd type="triangle"/>
+          </a:ln>
+        </p:spPr>
+        <p:style>
+          <a:lnRef idx="1">
+            <a:schemeClr val="accent1"/>
+          </a:lnRef>
+          <a:fillRef idx="0">
+            <a:schemeClr val="accent1"/>
+          </a:fillRef>
+          <a:effectRef idx="0">
+            <a:schemeClr val="accent1"/>
+          </a:effectRef>
+          <a:fontRef idx="minor">
+            <a:schemeClr val="tx1"/>
+          </a:fontRef>
+        </p:style>
+      </p:cxnSp>
+      <p:cxnSp>
+        <p:nvCxnSpPr>
+          <p:cNvPr id="11" name="직선 화살표 연결선 10">
+            <a:extLst>
+              <a:ext uri="{FF2B5EF4-FFF2-40B4-BE49-F238E27FC236}">
+                <a16:creationId xmlns:a16="http://schemas.microsoft.com/office/drawing/2014/main" id="{E3A8924D-A958-D937-1DA8-632032AAC39C}"/>
+              </a:ext>
+            </a:extLst>
+          </p:cNvPr>
+          <p:cNvCxnSpPr>
+            <a:cxnSpLocks/>
+          </p:cNvCxnSpPr>
+          <p:nvPr/>
+        </p:nvCxnSpPr>
+        <p:spPr>
+          <a:xfrm>
+            <a:off x="6870936" y="2032986"/>
+            <a:ext cx="368531" cy="0"/>
+          </a:xfrm>
+          <a:prstGeom prst="straightConnector1">
+            <a:avLst/>
+          </a:prstGeom>
+          <a:ln w="28575">
+            <a:solidFill>
+              <a:schemeClr val="accent1"/>
+            </a:solidFill>
+            <a:headEnd type="triangle"/>
+            <a:tailEnd type="triangle"/>
+          </a:ln>
+        </p:spPr>
+        <p:style>
+          <a:lnRef idx="1">
+            <a:schemeClr val="accent1"/>
+          </a:lnRef>
+          <a:fillRef idx="0">
+            <a:schemeClr val="accent1"/>
+          </a:fillRef>
+          <a:effectRef idx="0">
+            <a:schemeClr val="accent1"/>
+          </a:effectRef>
+          <a:fontRef idx="minor">
+            <a:schemeClr val="tx1"/>
+          </a:fontRef>
+        </p:style>
+      </p:cxnSp>
+      <p:cxnSp>
+        <p:nvCxnSpPr>
+          <p:cNvPr id="12" name="직선 화살표 연결선 11">
+            <a:extLst>
+              <a:ext uri="{FF2B5EF4-FFF2-40B4-BE49-F238E27FC236}">
+                <a16:creationId xmlns:a16="http://schemas.microsoft.com/office/drawing/2014/main" id="{D295BAC2-BAA7-8D4B-0875-E1099C02BE6F}"/>
+              </a:ext>
+            </a:extLst>
+          </p:cNvPr>
+          <p:cNvCxnSpPr>
+            <a:cxnSpLocks/>
+            <a:stCxn id="106" idx="0"/>
+            <a:endCxn id="61" idx="1"/>
+          </p:cNvCxnSpPr>
+          <p:nvPr/>
+        </p:nvCxnSpPr>
+        <p:spPr>
+          <a:xfrm flipV="1">
+            <a:off x="4572003" y="306694"/>
+            <a:ext cx="2988" cy="393975"/>
+          </a:xfrm>
+          <a:prstGeom prst="straightConnector1">
+            <a:avLst/>
+          </a:prstGeom>
+          <a:ln w="28575">
+            <a:solidFill>
+              <a:schemeClr val="accent1"/>
+            </a:solidFill>
+            <a:headEnd type="triangle"/>
+            <a:tailEnd type="triangle"/>
+          </a:ln>
+        </p:spPr>
+        <p:style>
+          <a:lnRef idx="1">
+            <a:schemeClr val="accent1"/>
+          </a:lnRef>
+          <a:fillRef idx="0">
+            <a:schemeClr val="accent1"/>
+          </a:fillRef>
+          <a:effectRef idx="0">
+            <a:schemeClr val="accent1"/>
+          </a:effectRef>
+          <a:fontRef idx="minor">
+            <a:schemeClr val="tx1"/>
+          </a:fontRef>
+        </p:style>
+      </p:cxnSp>
+      <p:sp>
+        <p:nvSpPr>
+          <p:cNvPr id="35" name="TextBox 34">
+            <a:extLst>
+              <a:ext uri="{FF2B5EF4-FFF2-40B4-BE49-F238E27FC236}">
+                <a16:creationId xmlns:a16="http://schemas.microsoft.com/office/drawing/2014/main" id="{5E7067CC-9E6B-F1AF-5A50-3EA32B464ED4}"/>
+              </a:ext>
+            </a:extLst>
+          </p:cNvPr>
+          <p:cNvSpPr txBox="1"/>
+          <p:nvPr/>
+        </p:nvSpPr>
+        <p:spPr>
+          <a:xfrm>
+            <a:off x="3579481" y="3063454"/>
+            <a:ext cx="752322" cy="646331"/>
+          </a:xfrm>
+          <a:prstGeom prst="rect">
+            <a:avLst/>
+          </a:prstGeom>
+          <a:noFill/>
+        </p:spPr>
+        <p:txBody>
+          <a:bodyPr wrap="none" rtlCol="0">
+            <a:spAutoFit/>
+          </a:bodyPr>
+          <a:lstStyle/>
+          <a:p>
+            <a:r>
+              <a:rPr lang="en-US" altLang="ko-KR" dirty="0"/>
+              <a:t>500px</a:t>
+            </a:r>
+          </a:p>
+          <a:p>
+            <a:endParaRPr lang="ko-KR" altLang="en-US" dirty="0"/>
+          </a:p>
+        </p:txBody>
+      </p:sp>
+      <p:sp>
+        <p:nvSpPr>
+          <p:cNvPr id="10" name="직사각형 9">
+            <a:extLst>
+              <a:ext uri="{FF2B5EF4-FFF2-40B4-BE49-F238E27FC236}">
+                <a16:creationId xmlns:a16="http://schemas.microsoft.com/office/drawing/2014/main" id="{2A128E55-9942-218D-4577-524A5CFBE315}"/>
+              </a:ext>
+            </a:extLst>
+          </p:cNvPr>
+          <p:cNvSpPr/>
+          <p:nvPr/>
+        </p:nvSpPr>
+        <p:spPr>
+          <a:xfrm>
+            <a:off x="1904533" y="3763010"/>
+            <a:ext cx="5334934" cy="3027273"/>
+          </a:xfrm>
+          <a:prstGeom prst="rect">
+            <a:avLst/>
+          </a:prstGeom>
+          <a:solidFill>
+            <a:schemeClr val="bg1">
+              <a:lumMod val="65000"/>
+            </a:schemeClr>
+          </a:solidFill>
+          <a:ln>
+            <a:noFill/>
+          </a:ln>
+        </p:spPr>
+        <p:style>
+          <a:lnRef idx="2">
+            <a:schemeClr val="accent1">
+              <a:shade val="15000"/>
+            </a:schemeClr>
+          </a:lnRef>
+          <a:fillRef idx="1">
+            <a:schemeClr val="accent1"/>
+          </a:fillRef>
+          <a:effectRef idx="0">
+            <a:schemeClr val="accent1"/>
+          </a:effectRef>
+          <a:fontRef idx="minor">
+            <a:schemeClr val="lt1"/>
+          </a:fontRef>
+        </p:style>
+        <p:txBody>
+          <a:bodyPr rtlCol="0" anchor="ctr"/>
+          <a:lstStyle/>
+          <a:p>
+            <a:pPr algn="ctr"/>
+            <a:endParaRPr lang="ko-KR" altLang="en-US" b="1" dirty="0"/>
+          </a:p>
+        </p:txBody>
+      </p:sp>
+      <p:cxnSp>
+        <p:nvCxnSpPr>
+          <p:cNvPr id="14" name="직선 화살표 연결선 13">
+            <a:extLst>
+              <a:ext uri="{FF2B5EF4-FFF2-40B4-BE49-F238E27FC236}">
+                <a16:creationId xmlns:a16="http://schemas.microsoft.com/office/drawing/2014/main" id="{1E08B614-D207-1953-EED3-DF58D835A984}"/>
+              </a:ext>
+            </a:extLst>
+          </p:cNvPr>
+          <p:cNvCxnSpPr>
+            <a:cxnSpLocks/>
+          </p:cNvCxnSpPr>
+          <p:nvPr/>
+        </p:nvCxnSpPr>
+        <p:spPr>
+          <a:xfrm>
+            <a:off x="1890944" y="3749735"/>
+            <a:ext cx="0" cy="3027273"/>
+          </a:xfrm>
+          <a:prstGeom prst="straightConnector1">
+            <a:avLst/>
+          </a:prstGeom>
+          <a:ln w="28575">
+            <a:solidFill>
+              <a:schemeClr val="tx1"/>
+            </a:solidFill>
+            <a:headEnd type="triangle"/>
+            <a:tailEnd type="triangle"/>
+          </a:ln>
+        </p:spPr>
+        <p:style>
+          <a:lnRef idx="1">
+            <a:schemeClr val="accent1"/>
+          </a:lnRef>
+          <a:fillRef idx="0">
+            <a:schemeClr val="accent1"/>
+          </a:fillRef>
+          <a:effectRef idx="0">
+            <a:schemeClr val="accent1"/>
+          </a:effectRef>
+          <a:fontRef idx="minor">
+            <a:schemeClr val="tx1"/>
+          </a:fontRef>
+        </p:style>
+      </p:cxnSp>
+      <p:sp>
+        <p:nvSpPr>
+          <p:cNvPr id="19" name="TextBox 18">
+            <a:extLst>
+              <a:ext uri="{FF2B5EF4-FFF2-40B4-BE49-F238E27FC236}">
+                <a16:creationId xmlns:a16="http://schemas.microsoft.com/office/drawing/2014/main" id="{7C677548-BBD0-E7E0-714A-CB1C68A391AC}"/>
+              </a:ext>
+            </a:extLst>
+          </p:cNvPr>
+          <p:cNvSpPr txBox="1"/>
+          <p:nvPr/>
+        </p:nvSpPr>
+        <p:spPr>
+          <a:xfrm>
+            <a:off x="1152211" y="5090259"/>
+            <a:ext cx="752322" cy="646331"/>
+          </a:xfrm>
+          <a:prstGeom prst="rect">
+            <a:avLst/>
+          </a:prstGeom>
+          <a:noFill/>
+        </p:spPr>
+        <p:txBody>
+          <a:bodyPr wrap="none" rtlCol="0">
+            <a:spAutoFit/>
+          </a:bodyPr>
+          <a:lstStyle/>
+          <a:p>
+            <a:r>
+              <a:rPr lang="en-US" altLang="ko-KR" dirty="0"/>
+              <a:t>450px</a:t>
+            </a:r>
+          </a:p>
+          <a:p>
+            <a:endParaRPr lang="ko-KR" altLang="en-US" dirty="0"/>
+          </a:p>
+        </p:txBody>
+      </p:sp>
+      <p:cxnSp>
+        <p:nvCxnSpPr>
+          <p:cNvPr id="20" name="직선 화살표 연결선 19">
+            <a:extLst>
+              <a:ext uri="{FF2B5EF4-FFF2-40B4-BE49-F238E27FC236}">
+                <a16:creationId xmlns:a16="http://schemas.microsoft.com/office/drawing/2014/main" id="{9144F4EB-9E21-AE44-32BF-E1F708AD79EB}"/>
+              </a:ext>
+            </a:extLst>
+          </p:cNvPr>
+          <p:cNvCxnSpPr>
+            <a:cxnSpLocks/>
+          </p:cNvCxnSpPr>
+          <p:nvPr/>
+        </p:nvCxnSpPr>
+        <p:spPr>
+          <a:xfrm flipH="1">
+            <a:off x="1904533" y="6790283"/>
+            <a:ext cx="5334934" cy="0"/>
+          </a:xfrm>
+          <a:prstGeom prst="straightConnector1">
+            <a:avLst/>
+          </a:prstGeom>
+          <a:ln w="28575">
+            <a:solidFill>
+              <a:schemeClr val="tx1"/>
+            </a:solidFill>
+            <a:headEnd type="triangle"/>
+            <a:tailEnd type="triangle"/>
+          </a:ln>
+        </p:spPr>
+        <p:style>
+          <a:lnRef idx="1">
+            <a:schemeClr val="accent1"/>
+          </a:lnRef>
+          <a:fillRef idx="0">
+            <a:schemeClr val="accent1"/>
+          </a:fillRef>
+          <a:effectRef idx="0">
+            <a:schemeClr val="accent1"/>
+          </a:effectRef>
+          <a:fontRef idx="minor">
+            <a:schemeClr val="tx1"/>
+          </a:fontRef>
+        </p:style>
+      </p:cxnSp>
+      <p:sp>
+        <p:nvSpPr>
+          <p:cNvPr id="23" name="TextBox 22">
+            <a:extLst>
+              <a:ext uri="{FF2B5EF4-FFF2-40B4-BE49-F238E27FC236}">
+                <a16:creationId xmlns:a16="http://schemas.microsoft.com/office/drawing/2014/main" id="{B894B38D-5CE5-577A-79EC-678421211A56}"/>
+              </a:ext>
+            </a:extLst>
+          </p:cNvPr>
+          <p:cNvSpPr txBox="1"/>
+          <p:nvPr/>
+        </p:nvSpPr>
+        <p:spPr>
+          <a:xfrm>
+            <a:off x="4248871" y="6453842"/>
+            <a:ext cx="752322" cy="646331"/>
+          </a:xfrm>
+          <a:prstGeom prst="rect">
+            <a:avLst/>
+          </a:prstGeom>
+          <a:noFill/>
+        </p:spPr>
+        <p:txBody>
+          <a:bodyPr wrap="none" rtlCol="0">
+            <a:spAutoFit/>
+          </a:bodyPr>
+          <a:lstStyle/>
+          <a:p>
+            <a:r>
+              <a:rPr lang="en-US" altLang="ko-KR" dirty="0"/>
+              <a:t>500px</a:t>
+            </a:r>
+          </a:p>
+          <a:p>
+            <a:endParaRPr lang="ko-KR" altLang="en-US" dirty="0"/>
+          </a:p>
+        </p:txBody>
+      </p:sp>
+      <p:cxnSp>
+        <p:nvCxnSpPr>
+          <p:cNvPr id="24" name="직선 화살표 연결선 23">
+            <a:extLst>
+              <a:ext uri="{FF2B5EF4-FFF2-40B4-BE49-F238E27FC236}">
+                <a16:creationId xmlns:a16="http://schemas.microsoft.com/office/drawing/2014/main" id="{51135F8D-5AA0-C03A-E63B-17417528BE07}"/>
+              </a:ext>
+            </a:extLst>
+          </p:cNvPr>
+          <p:cNvCxnSpPr>
+            <a:cxnSpLocks/>
+            <a:endCxn id="10" idx="0"/>
+          </p:cNvCxnSpPr>
+          <p:nvPr/>
+        </p:nvCxnSpPr>
+        <p:spPr>
+          <a:xfrm>
+            <a:off x="4572000" y="3355756"/>
+            <a:ext cx="0" cy="407254"/>
+          </a:xfrm>
+          <a:prstGeom prst="straightConnector1">
+            <a:avLst/>
+          </a:prstGeom>
+          <a:ln w="28575">
+            <a:solidFill>
+              <a:srgbClr val="FF0000"/>
+            </a:solidFill>
+            <a:headEnd type="triangle"/>
+            <a:tailEnd type="triangle"/>
+          </a:ln>
+        </p:spPr>
+        <p:style>
+          <a:lnRef idx="1">
+            <a:schemeClr val="accent1"/>
+          </a:lnRef>
+          <a:fillRef idx="0">
+            <a:schemeClr val="accent1"/>
+          </a:fillRef>
+          <a:effectRef idx="0">
+            <a:schemeClr val="accent1"/>
+          </a:effectRef>
+          <a:fontRef idx="minor">
+            <a:schemeClr val="tx1"/>
+          </a:fontRef>
+        </p:style>
+      </p:cxnSp>
+      <p:sp>
+        <p:nvSpPr>
+          <p:cNvPr id="27" name="TextBox 26">
+            <a:extLst>
+              <a:ext uri="{FF2B5EF4-FFF2-40B4-BE49-F238E27FC236}">
+                <a16:creationId xmlns:a16="http://schemas.microsoft.com/office/drawing/2014/main" id="{9508DB79-27D2-2862-EFB6-38580225C520}"/>
+              </a:ext>
+            </a:extLst>
+          </p:cNvPr>
+          <p:cNvSpPr txBox="1"/>
+          <p:nvPr/>
+        </p:nvSpPr>
+        <p:spPr>
+          <a:xfrm>
+            <a:off x="4707966" y="3398876"/>
+            <a:ext cx="635302" cy="369332"/>
+          </a:xfrm>
+          <a:prstGeom prst="rect">
+            <a:avLst/>
+          </a:prstGeom>
+          <a:noFill/>
+        </p:spPr>
+        <p:txBody>
+          <a:bodyPr wrap="none" rtlCol="0">
+            <a:spAutoFit/>
+          </a:bodyPr>
+          <a:lstStyle/>
+          <a:p>
+            <a:r>
+              <a:rPr lang="en-US" altLang="ko-KR" dirty="0"/>
+              <a:t>50px</a:t>
+            </a:r>
+            <a:endParaRPr lang="ko-KR" altLang="en-US" dirty="0"/>
+          </a:p>
+        </p:txBody>
+      </p:sp>
+      <p:cxnSp>
+        <p:nvCxnSpPr>
+          <p:cNvPr id="31" name="직선 화살표 연결선 30">
+            <a:extLst>
+              <a:ext uri="{FF2B5EF4-FFF2-40B4-BE49-F238E27FC236}">
+                <a16:creationId xmlns:a16="http://schemas.microsoft.com/office/drawing/2014/main" id="{D7E5ECA4-22BD-1951-04C8-2CECB7A5AF60}"/>
+              </a:ext>
+            </a:extLst>
+          </p:cNvPr>
+          <p:cNvCxnSpPr>
+            <a:cxnSpLocks/>
+          </p:cNvCxnSpPr>
+          <p:nvPr/>
+        </p:nvCxnSpPr>
+        <p:spPr>
+          <a:xfrm>
+            <a:off x="-13589" y="5090259"/>
+            <a:ext cx="1904533" cy="0"/>
+          </a:xfrm>
+          <a:prstGeom prst="straightConnector1">
+            <a:avLst/>
+          </a:prstGeom>
+          <a:ln w="28575">
+            <a:solidFill>
+              <a:srgbClr val="FF0000"/>
+            </a:solidFill>
+            <a:headEnd type="triangle"/>
+            <a:tailEnd type="triangle"/>
+          </a:ln>
+        </p:spPr>
+        <p:style>
+          <a:lnRef idx="1">
+            <a:schemeClr val="accent1"/>
+          </a:lnRef>
+          <a:fillRef idx="0">
+            <a:schemeClr val="accent1"/>
+          </a:fillRef>
+          <a:effectRef idx="0">
+            <a:schemeClr val="accent1"/>
+          </a:effectRef>
+          <a:fontRef idx="minor">
+            <a:schemeClr val="tx1"/>
+          </a:fontRef>
+        </p:style>
+      </p:cxnSp>
+      <p:sp>
+        <p:nvSpPr>
+          <p:cNvPr id="32" name="TextBox 31">
+            <a:extLst>
+              <a:ext uri="{FF2B5EF4-FFF2-40B4-BE49-F238E27FC236}">
+                <a16:creationId xmlns:a16="http://schemas.microsoft.com/office/drawing/2014/main" id="{C4BA9FC9-486F-9093-3C15-C2B91FC7643E}"/>
+              </a:ext>
+            </a:extLst>
+          </p:cNvPr>
+          <p:cNvSpPr txBox="1"/>
+          <p:nvPr/>
+        </p:nvSpPr>
+        <p:spPr>
+          <a:xfrm>
+            <a:off x="645451" y="4746805"/>
+            <a:ext cx="613630" cy="369332"/>
+          </a:xfrm>
+          <a:prstGeom prst="rect">
+            <a:avLst/>
+          </a:prstGeom>
+          <a:noFill/>
+        </p:spPr>
+        <p:txBody>
+          <a:bodyPr wrap="none" rtlCol="0">
+            <a:spAutoFit/>
+          </a:bodyPr>
+          <a:lstStyle/>
+          <a:p>
+            <a:r>
+              <a:rPr lang="en-US" altLang="ko-KR" dirty="0"/>
+              <a:t>auto</a:t>
+            </a:r>
+            <a:endParaRPr lang="ko-KR" altLang="en-US" dirty="0"/>
+          </a:p>
+        </p:txBody>
+      </p:sp>
+      <p:cxnSp>
+        <p:nvCxnSpPr>
+          <p:cNvPr id="33" name="직선 화살표 연결선 32">
+            <a:extLst>
+              <a:ext uri="{FF2B5EF4-FFF2-40B4-BE49-F238E27FC236}">
+                <a16:creationId xmlns:a16="http://schemas.microsoft.com/office/drawing/2014/main" id="{AE8E9023-A883-90D5-D87B-09C77B7A9777}"/>
+              </a:ext>
+            </a:extLst>
+          </p:cNvPr>
+          <p:cNvCxnSpPr>
+            <a:cxnSpLocks/>
+          </p:cNvCxnSpPr>
+          <p:nvPr/>
+        </p:nvCxnSpPr>
+        <p:spPr>
+          <a:xfrm>
+            <a:off x="7239466" y="5116137"/>
+            <a:ext cx="1904533" cy="0"/>
+          </a:xfrm>
+          <a:prstGeom prst="straightConnector1">
+            <a:avLst/>
+          </a:prstGeom>
+          <a:ln w="28575">
+            <a:solidFill>
+              <a:srgbClr val="FF0000"/>
+            </a:solidFill>
+            <a:headEnd type="triangle"/>
+            <a:tailEnd type="triangle"/>
+          </a:ln>
+        </p:spPr>
+        <p:style>
+          <a:lnRef idx="1">
+            <a:schemeClr val="accent1"/>
+          </a:lnRef>
+          <a:fillRef idx="0">
+            <a:schemeClr val="accent1"/>
+          </a:fillRef>
+          <a:effectRef idx="0">
+            <a:schemeClr val="accent1"/>
+          </a:effectRef>
+          <a:fontRef idx="minor">
+            <a:schemeClr val="tx1"/>
+          </a:fontRef>
+        </p:style>
+      </p:cxnSp>
+      <p:sp>
+        <p:nvSpPr>
+          <p:cNvPr id="34" name="TextBox 33">
+            <a:extLst>
+              <a:ext uri="{FF2B5EF4-FFF2-40B4-BE49-F238E27FC236}">
+                <a16:creationId xmlns:a16="http://schemas.microsoft.com/office/drawing/2014/main" id="{A4B5B653-4AA8-EFE5-BEBB-347DE1EDA310}"/>
+              </a:ext>
+            </a:extLst>
+          </p:cNvPr>
+          <p:cNvSpPr txBox="1"/>
+          <p:nvPr/>
+        </p:nvSpPr>
+        <p:spPr>
+          <a:xfrm>
+            <a:off x="7884918" y="4746805"/>
+            <a:ext cx="613630" cy="369332"/>
+          </a:xfrm>
+          <a:prstGeom prst="rect">
+            <a:avLst/>
+          </a:prstGeom>
+          <a:noFill/>
+        </p:spPr>
+        <p:txBody>
+          <a:bodyPr wrap="none" rtlCol="0">
+            <a:spAutoFit/>
+          </a:bodyPr>
+          <a:lstStyle/>
+          <a:p>
+            <a:r>
+              <a:rPr lang="en-US" altLang="ko-KR" dirty="0"/>
+              <a:t>auto</a:t>
+            </a:r>
+            <a:endParaRPr lang="ko-KR" altLang="en-US" dirty="0"/>
+          </a:p>
+        </p:txBody>
+      </p:sp>
+    </p:spTree>
+    <p:extLst>
+      <p:ext uri="{BB962C8B-B14F-4D97-AF65-F5344CB8AC3E}">
+        <p14:creationId xmlns:p14="http://schemas.microsoft.com/office/powerpoint/2010/main" val="1016603727"/>
+      </p:ext>
+    </p:extLst>
+  </p:cSld>
+  <p:clrMapOvr>
+    <a:masterClrMapping/>
+  </p:clrMapOvr>
+</p:sld>
+</file>
+
+<file path=ppt/slides/slide3.xml><?xml version="1.0" encoding="utf-8"?>
 <p:sld xmlns:a="http://schemas.openxmlformats.org/drawingml/2006/main" xmlns:r="http://schemas.openxmlformats.org/officeDocument/2006/relationships" xmlns:p="http://schemas.openxmlformats.org/presentationml/2006/main">
   <p:cSld>
     <p:spTree>
